--- a/TMS.pptx
+++ b/TMS.pptx
@@ -5624,7 +5624,6 @@
               <a:rPr lang="en-US" sz="4400" dirty="0"/>
               <a:t>Training Management System (TMS)</a:t>
             </a:r>
-            <a:endParaRPr lang="en-US" sz="4400" dirty="0"/>
           </a:p>
         </p:txBody>
       </p:sp>
@@ -5640,8 +5639,8 @@
         </p:nvSpPr>
         <p:spPr>
           <a:xfrm>
-            <a:off x="695326" y="5470634"/>
-            <a:ext cx="2583902" cy="677918"/>
+            <a:off x="805685" y="5354992"/>
+            <a:ext cx="2583902" cy="793560"/>
           </a:xfrm>
         </p:spPr>
         <p:txBody>
@@ -5660,7 +5659,7 @@
               <a:buNone/>
             </a:pPr>
             <a:r>
-              <a:rPr lang="en-US" sz="2000" b="1" i="0" u="none" strike="noStrike" dirty="0" smtClean="0">
+              <a:rPr lang="en-US" sz="2200" b="1" i="0" u="none" strike="noStrike" dirty="0" smtClean="0">
                 <a:solidFill>
                   <a:srgbClr val="000000"/>
                 </a:solidFill>
@@ -5669,19 +5668,7 @@
                 <a:cs typeface="Times New Roman" panose="02020603050405020304"/>
                 <a:sym typeface="Times New Roman" panose="02020603050405020304"/>
               </a:rPr>
-              <a:t>Md. </a:t>
-            </a:r>
-            <a:r>
-              <a:rPr lang="en-US" sz="2000" b="1" i="0" u="none" strike="noStrike" dirty="0" smtClean="0">
-                <a:solidFill>
-                  <a:srgbClr val="000000"/>
-                </a:solidFill>
-                <a:latin typeface="Times New Roman" panose="02020603050405020304"/>
-                <a:ea typeface="Times New Roman" panose="02020603050405020304"/>
-                <a:cs typeface="Times New Roman" panose="02020603050405020304"/>
-                <a:sym typeface="Times New Roman" panose="02020603050405020304"/>
-              </a:rPr>
-              <a:t>Taslim</a:t>
+              <a:t>Md. Taslim</a:t>
             </a:r>
           </a:p>
           <a:p>
@@ -5695,7 +5682,7 @@
               <a:buNone/>
             </a:pPr>
             <a:r>
-              <a:rPr lang="en-GB" sz="2000" b="1" dirty="0" smtClean="0">
+              <a:rPr lang="en-GB" sz="2200" b="1" dirty="0" smtClean="0">
                 <a:solidFill>
                   <a:srgbClr val="000000"/>
                 </a:solidFill>
@@ -5706,7 +5693,7 @@
               </a:rPr>
               <a:t>ID: 30074</a:t>
             </a:r>
-            <a:endParaRPr lang="en-US" sz="2000" b="1" dirty="0">
+            <a:endParaRPr lang="en-US" sz="2200" b="1" dirty="0">
               <a:solidFill>
                 <a:schemeClr val="dk1"/>
               </a:solidFill>
@@ -5743,28 +5730,46 @@
       </p:sp>
       <p:pic>
         <p:nvPicPr>
-          <p:cNvPr id="2" name="Picture 1"/>
+          <p:cNvPr id="9" name="Picture 8"/>
           <p:cNvPicPr>
             <a:picLocks noChangeAspect="1"/>
           </p:cNvPicPr>
           <p:nvPr/>
         </p:nvPicPr>
         <p:blipFill>
-          <a:blip r:embed="rId3">
-            <a:extLst>
-              <a:ext uri="{28A0092B-C50C-407E-A947-70E740481C1C}">
-                <a14:useLocalDpi xmlns:a14="http://schemas.microsoft.com/office/drawing/2010/main" val="0"/>
-              </a:ext>
-            </a:extLst>
-          </a:blip>
+          <a:blip r:embed="rId3"/>
           <a:stretch>
             <a:fillRect/>
           </a:stretch>
         </p:blipFill>
         <p:spPr>
           <a:xfrm>
-            <a:off x="0" y="0"/>
-            <a:ext cx="12192000" cy="4540469"/>
+            <a:off x="0" y="2773438"/>
+            <a:ext cx="12191999" cy="495300"/>
+          </a:xfrm>
+          <a:prstGeom prst="rect">
+            <a:avLst/>
+          </a:prstGeom>
+        </p:spPr>
+      </p:pic>
+      <p:pic>
+        <p:nvPicPr>
+          <p:cNvPr id="10" name="Picture 9"/>
+          <p:cNvPicPr>
+            <a:picLocks noChangeAspect="1"/>
+          </p:cNvPicPr>
+          <p:nvPr/>
+        </p:nvPicPr>
+        <p:blipFill>
+          <a:blip r:embed="rId4"/>
+          <a:stretch>
+            <a:fillRect/>
+          </a:stretch>
+        </p:blipFill>
+        <p:spPr>
+          <a:xfrm>
+            <a:off x="1294416" y="-1"/>
+            <a:ext cx="9236950" cy="4745421"/>
           </a:xfrm>
           <a:prstGeom prst="rect">
             <a:avLst/>
@@ -15313,7 +15318,7 @@
                 <a14:useLocalDpi xmlns:a14="http://schemas.microsoft.com/office/drawing/2010/main" val="0"/>
               </a:ext>
               <a:ext uri="{96DAC541-7B7A-43D3-8B79-37D633B846F1}">
-                <asvg:svgBlip xmlns:asvg="http://schemas.microsoft.com/office/drawing/2016/SVG/main" xmlns="" r:embed="rId3"/>
+                <asvg:svgBlip xmlns="" xmlns:asvg="http://schemas.microsoft.com/office/drawing/2016/SVG/main" r:embed="rId3"/>
               </a:ext>
             </a:extLst>
           </a:blip>
@@ -15346,7 +15351,7 @@
                 <a14:useLocalDpi xmlns:a14="http://schemas.microsoft.com/office/drawing/2010/main" val="0"/>
               </a:ext>
               <a:ext uri="{96DAC541-7B7A-43D3-8B79-37D633B846F1}">
-                <asvg:svgBlip xmlns:asvg="http://schemas.microsoft.com/office/drawing/2016/SVG/main" xmlns="" r:embed="rId5"/>
+                <asvg:svgBlip xmlns="" xmlns:asvg="http://schemas.microsoft.com/office/drawing/2016/SVG/main" r:embed="rId5"/>
               </a:ext>
             </a:extLst>
           </a:blip>
@@ -15929,13 +15934,13 @@
         </p:nvSpPr>
         <p:spPr>
           <a:xfrm>
-            <a:off x="5386070" y="1671320"/>
-            <a:ext cx="6555105" cy="3515360"/>
+            <a:off x="5374321" y="1718911"/>
+            <a:ext cx="6555105" cy="4476937"/>
           </a:xfrm>
         </p:spPr>
         <p:txBody>
           <a:bodyPr>
-            <a:normAutofit/>
+            <a:normAutofit lnSpcReduction="10000"/>
           </a:bodyPr>
           <a:lstStyle/>
           <a:p>
@@ -15947,8 +15952,12 @@
                 <a:latin typeface="Lusitana" charset="0"/>
                 <a:cs typeface="Lusitana" charset="0"/>
               </a:rPr>
-              <a:t>What is Communication?</a:t>
+              <a:t>Project Summary</a:t>
             </a:r>
+            <a:endParaRPr lang="en-US" altLang="en-GB" dirty="0">
+              <a:latin typeface="Lusitana" charset="0"/>
+              <a:cs typeface="Lusitana" charset="0"/>
+            </a:endParaRPr>
           </a:p>
           <a:p>
             <a:pPr marL="0" indent="0">
@@ -15962,14 +15971,7 @@
                 <a:latin typeface="Lusitana" charset="0"/>
                 <a:cs typeface="Lusitana" charset="0"/>
               </a:rPr>
-              <a:t>Essentials of workplace </a:t>
-            </a:r>
-            <a:r>
-              <a:rPr lang="en-US" altLang="en-GB" dirty="0" smtClean="0">
-                <a:latin typeface="Lusitana" charset="0"/>
-                <a:cs typeface="Lusitana" charset="0"/>
-              </a:rPr>
-              <a:t>communication</a:t>
+              <a:t>Feature List</a:t>
             </a:r>
             <a:endParaRPr lang="en-US" dirty="0"/>
           </a:p>
@@ -15985,14 +15987,7 @@
                 <a:latin typeface="Lusitana" charset="0"/>
                 <a:cs typeface="Lusitana" charset="0"/>
               </a:rPr>
-              <a:t>How to chose the right communication </a:t>
-            </a:r>
-            <a:r>
-              <a:rPr lang="en-US" altLang="en-GB" dirty="0" smtClean="0">
-                <a:latin typeface="Lusitana" charset="0"/>
-                <a:cs typeface="Lusitana" charset="0"/>
-              </a:rPr>
-              <a:t>Medium</a:t>
+              <a:t>Technologies/Tools</a:t>
             </a:r>
             <a:endParaRPr lang="en-US" dirty="0" smtClean="0"/>
           </a:p>
@@ -16008,14 +16003,7 @@
                 <a:latin typeface="Lusitana" charset="0"/>
                 <a:cs typeface="Lusitana" charset="0"/>
               </a:rPr>
-              <a:t>Clarifying the </a:t>
-            </a:r>
-            <a:r>
-              <a:rPr lang="en-US" altLang="en-GB" dirty="0" smtClean="0">
-                <a:latin typeface="Lusitana" charset="0"/>
-                <a:cs typeface="Lusitana" charset="0"/>
-              </a:rPr>
-              <a:t>objectives</a:t>
+              <a:t>Screenshots of the UI</a:t>
             </a:r>
             <a:endParaRPr lang="en-US" dirty="0" smtClean="0"/>
           </a:p>
@@ -16031,14 +16019,7 @@
                 <a:latin typeface="Lusitana" charset="0"/>
                 <a:cs typeface="Lusitana" charset="0"/>
               </a:rPr>
-              <a:t>Elements of verbal </a:t>
-            </a:r>
-            <a:r>
-              <a:rPr lang="en-US" altLang="en-GB" dirty="0" smtClean="0">
-                <a:latin typeface="Lusitana" charset="0"/>
-                <a:cs typeface="Lusitana" charset="0"/>
-              </a:rPr>
-              <a:t>Communications</a:t>
+              <a:t>Learnings from this Project</a:t>
             </a:r>
             <a:endParaRPr lang="en-US" dirty="0" smtClean="0"/>
           </a:p>
@@ -16054,22 +16035,120 @@
                 <a:latin typeface="Lusitana" charset="0"/>
                 <a:cs typeface="Lusitana" charset="0"/>
               </a:rPr>
-              <a:t>Email </a:t>
+              <a:t>Challenges </a:t>
             </a:r>
             <a:r>
               <a:rPr lang="en-US" altLang="en-GB" dirty="0" smtClean="0">
                 <a:latin typeface="Lusitana" charset="0"/>
                 <a:cs typeface="Lusitana" charset="0"/>
               </a:rPr>
-              <a:t>etiquettes</a:t>
+              <a:t>and Solution</a:t>
+            </a:r>
+          </a:p>
+          <a:p>
+            <a:pPr marL="0" indent="0">
+              <a:lnSpc>
+                <a:spcPct val="140000"/>
+              </a:lnSpc>
+              <a:buNone/>
+            </a:pPr>
+            <a:r>
+              <a:rPr lang="en-GB" dirty="0"/>
+              <a:t>Enhancement proposal - which features can be added in the future. </a:t>
             </a:r>
             <a:endParaRPr lang="en-US" dirty="0" smtClean="0"/>
           </a:p>
         </p:txBody>
       </p:sp>
+      <p:sp>
+        <p:nvSpPr>
+          <p:cNvPr id="17" name="Oval 16"/>
+          <p:cNvSpPr/>
+          <p:nvPr/>
+        </p:nvSpPr>
+        <p:spPr>
+          <a:xfrm>
+            <a:off x="4804943" y="5386241"/>
+            <a:ext cx="274109" cy="266963"/>
+          </a:xfrm>
+          <a:prstGeom prst="ellipse">
+            <a:avLst/>
+          </a:prstGeom>
+          <a:noFill/>
+          <a:ln w="66675">
+            <a:solidFill>
+              <a:schemeClr val="accent1">
+                <a:lumMod val="60000"/>
+                <a:lumOff val="40000"/>
+              </a:schemeClr>
+            </a:solidFill>
+          </a:ln>
+        </p:spPr>
+        <p:style>
+          <a:lnRef idx="2">
+            <a:schemeClr val="accent1">
+              <a:shade val="50000"/>
+            </a:schemeClr>
+          </a:lnRef>
+          <a:fillRef idx="1">
+            <a:schemeClr val="accent1"/>
+          </a:fillRef>
+          <a:effectRef idx="0">
+            <a:schemeClr val="accent1"/>
+          </a:effectRef>
+          <a:fontRef idx="minor">
+            <a:schemeClr val="lt1"/>
+          </a:fontRef>
+        </p:style>
+        <p:txBody>
+          <a:bodyPr rtlCol="0" anchor="ctr"/>
+          <a:lstStyle/>
+          <a:p>
+            <a:pPr algn="ctr"/>
+            <a:endParaRPr lang="en-US"/>
+          </a:p>
+        </p:txBody>
+      </p:sp>
+      <p:cxnSp>
+        <p:nvCxnSpPr>
+          <p:cNvPr id="18" name="Straight Connector 17"/>
+          <p:cNvCxnSpPr/>
+          <p:nvPr/>
+        </p:nvCxnSpPr>
+        <p:spPr>
+          <a:xfrm flipH="1">
+            <a:off x="4941998" y="5023626"/>
+            <a:ext cx="2540" cy="430347"/>
+          </a:xfrm>
+          <a:prstGeom prst="line">
+            <a:avLst/>
+          </a:prstGeom>
+          <a:ln w="66675">
+            <a:solidFill>
+              <a:schemeClr val="bg2">
+                <a:lumMod val="75000"/>
+              </a:schemeClr>
+            </a:solidFill>
+          </a:ln>
+        </p:spPr>
+        <p:style>
+          <a:lnRef idx="1">
+            <a:schemeClr val="accent1"/>
+          </a:lnRef>
+          <a:fillRef idx="0">
+            <a:schemeClr val="accent1"/>
+          </a:fillRef>
+          <a:effectRef idx="0">
+            <a:schemeClr val="accent1"/>
+          </a:effectRef>
+          <a:fontRef idx="minor">
+            <a:schemeClr val="tx1"/>
+          </a:fontRef>
+        </p:style>
+      </p:cxnSp>
       <p:pic>
         <p:nvPicPr>
-          <p:cNvPr id="2" name="Picture 1"/>
+          <p:cNvPr id="3" name="Picture 2"/>
           <p:cNvPicPr>
             <a:picLocks noChangeAspect="1"/>
           </p:cNvPicPr>
@@ -16077,13 +16156,6 @@
         </p:nvPicPr>
         <p:blipFill>
           <a:blip r:embed="rId2">
-            <a:duotone>
-              <a:prstClr val="black"/>
-              <a:schemeClr val="accent4">
-                <a:tint val="45000"/>
-                <a:satMod val="400000"/>
-              </a:schemeClr>
-            </a:duotone>
             <a:extLst>
               <a:ext uri="{28A0092B-C50C-407E-A947-70E740481C1C}">
                 <a14:useLocalDpi xmlns:a14="http://schemas.microsoft.com/office/drawing/2010/main" val="0"/>
@@ -16096,8 +16168,8 @@
         </p:blipFill>
         <p:spPr>
           <a:xfrm>
-            <a:off x="395406" y="1949036"/>
-            <a:ext cx="3846422" cy="2450154"/>
+            <a:off x="101089" y="2057695"/>
+            <a:ext cx="4237446" cy="2786789"/>
           </a:xfrm>
           <a:prstGeom prst="round2DiagRect">
             <a:avLst>
@@ -16110,8 +16182,6 @@
               <a:srgbClr val="FFFFFF"/>
             </a:solidFill>
             <a:miter lim="800000"/>
-            <a:headEnd/>
-            <a:tailEnd/>
           </a:ln>
           <a:effectLst>
             <a:outerShdw blurRad="254000" algn="tl" rotWithShape="0">
@@ -16701,174 +16771,37 @@
       </p:grpSp>
       <p:grpSp>
         <p:nvGrpSpPr>
-          <p:cNvPr id="21" name="Google Shape;5138;p50"/>
+          <p:cNvPr id="28" name="Google Shape;544;gf7aa813dff_0_0"/>
           <p:cNvGrpSpPr/>
           <p:nvPr/>
         </p:nvGrpSpPr>
         <p:grpSpPr>
-          <a:xfrm rot="5809581">
-            <a:off x="-62504" y="5379262"/>
-            <a:ext cx="964753" cy="886574"/>
-            <a:chOff x="2679875" y="2361475"/>
-            <a:chExt cx="780425" cy="760575"/>
+          <a:xfrm>
+            <a:off x="3035878" y="120689"/>
+            <a:ext cx="5889431" cy="822631"/>
+            <a:chOff x="3433276" y="2409276"/>
+            <a:chExt cx="5889431" cy="847200"/>
           </a:xfrm>
         </p:grpSpPr>
         <p:sp>
           <p:nvSpPr>
-            <p:cNvPr id="22" name="Google Shape;5139;p50"/>
+            <p:cNvPr id="29" name="Google Shape;545;gf7aa813dff_0_0"/>
             <p:cNvSpPr/>
             <p:nvPr/>
           </p:nvSpPr>
           <p:spPr>
-            <a:xfrm>
-              <a:off x="2812050" y="2361475"/>
-              <a:ext cx="516050" cy="266400"/>
+            <a:xfrm rot="-5400000">
+              <a:off x="4121626" y="1720926"/>
+              <a:ext cx="847200" cy="2223900"/>
             </a:xfrm>
-            <a:custGeom>
-              <a:avLst/>
-              <a:gdLst/>
-              <a:ahLst/>
-              <a:cxnLst/>
-              <a:rect l="l" t="t" r="r" b="b"/>
-              <a:pathLst>
-                <a:path w="20642" h="10656" extrusionOk="0">
-                  <a:moveTo>
-                    <a:pt x="10321" y="0"/>
-                  </a:moveTo>
-                  <a:cubicBezTo>
-                    <a:pt x="4630" y="0"/>
-                    <a:pt x="1" y="4630"/>
-                    <a:pt x="1" y="10321"/>
-                  </a:cubicBezTo>
-                  <a:cubicBezTo>
-                    <a:pt x="1" y="10385"/>
-                    <a:pt x="2" y="10450"/>
-                    <a:pt x="4" y="10514"/>
-                  </a:cubicBezTo>
-                  <a:cubicBezTo>
-                    <a:pt x="1580" y="9686"/>
-                    <a:pt x="3307" y="9273"/>
-                    <a:pt x="5033" y="9273"/>
-                  </a:cubicBezTo>
-                  <a:cubicBezTo>
-                    <a:pt x="6858" y="9273"/>
-                    <a:pt x="8681" y="9735"/>
-                    <a:pt x="10321" y="10655"/>
-                  </a:cubicBezTo>
-                  <a:cubicBezTo>
-                    <a:pt x="11962" y="9735"/>
-                    <a:pt x="13786" y="9273"/>
-                    <a:pt x="15610" y="9273"/>
-                  </a:cubicBezTo>
-                  <a:cubicBezTo>
-                    <a:pt x="17337" y="9273"/>
-                    <a:pt x="19065" y="9686"/>
-                    <a:pt x="20640" y="10514"/>
-                  </a:cubicBezTo>
-                  <a:cubicBezTo>
-                    <a:pt x="20640" y="10450"/>
-                    <a:pt x="20642" y="10385"/>
-                    <a:pt x="20642" y="10321"/>
-                  </a:cubicBezTo>
-                  <a:cubicBezTo>
-                    <a:pt x="20642" y="4630"/>
-                    <a:pt x="16012" y="0"/>
-                    <a:pt x="10321" y="0"/>
-                  </a:cubicBezTo>
-                  <a:close/>
-                </a:path>
-              </a:pathLst>
-            </a:custGeom>
-            <a:blipFill>
-              <a:blip r:embed="rId3"/>
-              <a:tile tx="0" ty="0" sx="100000" sy="100000" flip="none" algn="tl"/>
-            </a:blipFill>
-            <a:ln>
-              <a:noFill/>
-            </a:ln>
-          </p:spPr>
-          <p:txBody>
-            <a:bodyPr spcFirstLastPara="1" wrap="square" lIns="91425" tIns="91425" rIns="91425" bIns="91425" anchor="ctr" anchorCtr="0">
-              <a:noAutofit/>
-            </a:bodyPr>
-            <a:lstStyle/>
-            <a:p>
-              <a:pPr marL="0" lvl="0" indent="0" algn="l" rtl="0">
-                <a:spcBef>
-                  <a:spcPts val="0"/>
-                </a:spcBef>
-                <a:spcAft>
-                  <a:spcPts val="0"/>
-                </a:spcAft>
-                <a:buNone/>
-              </a:pPr>
-              <a:endParaRPr/>
-            </a:p>
-          </p:txBody>
-        </p:sp>
-        <p:sp>
-          <p:nvSpPr>
-            <p:cNvPr id="23" name="Google Shape;5140;p50"/>
-            <p:cNvSpPr/>
-            <p:nvPr/>
-          </p:nvSpPr>
-          <p:spPr>
-            <a:xfrm>
-              <a:off x="3082750" y="2645625"/>
-              <a:ext cx="377550" cy="476425"/>
-            </a:xfrm>
-            <a:custGeom>
-              <a:avLst/>
-              <a:gdLst/>
-              <a:ahLst/>
-              <a:cxnLst/>
-              <a:rect l="l" t="t" r="r" b="b"/>
-              <a:pathLst>
-                <a:path w="15102" h="19057" extrusionOk="0">
-                  <a:moveTo>
-                    <a:pt x="10272" y="0"/>
-                  </a:moveTo>
-                  <a:cubicBezTo>
-                    <a:pt x="9934" y="3512"/>
-                    <a:pt x="7912" y="6539"/>
-                    <a:pt x="5024" y="8262"/>
-                  </a:cubicBezTo>
-                  <a:cubicBezTo>
-                    <a:pt x="5031" y="8418"/>
-                    <a:pt x="5036" y="8577"/>
-                    <a:pt x="5036" y="8736"/>
-                  </a:cubicBezTo>
-                  <a:cubicBezTo>
-                    <a:pt x="5036" y="12577"/>
-                    <a:pt x="3024" y="15957"/>
-                    <a:pt x="1" y="17879"/>
-                  </a:cubicBezTo>
-                  <a:cubicBezTo>
-                    <a:pt x="1471" y="18653"/>
-                    <a:pt x="3109" y="19056"/>
-                    <a:pt x="4771" y="19056"/>
-                  </a:cubicBezTo>
-                  <a:cubicBezTo>
-                    <a:pt x="4774" y="19056"/>
-                    <a:pt x="4778" y="19056"/>
-                    <a:pt x="4781" y="19056"/>
-                  </a:cubicBezTo>
-                  <a:cubicBezTo>
-                    <a:pt x="10472" y="19056"/>
-                    <a:pt x="15102" y="14427"/>
-                    <a:pt x="15102" y="8736"/>
-                  </a:cubicBezTo>
-                  <a:cubicBezTo>
-                    <a:pt x="15102" y="5062"/>
-                    <a:pt x="13170" y="1831"/>
-                    <a:pt x="10272" y="0"/>
-                  </a:cubicBezTo>
-                  <a:close/>
-                </a:path>
-              </a:pathLst>
-            </a:custGeom>
+            <a:prstGeom prst="round2SameRect">
+              <a:avLst>
+                <a:gd name="adj1" fmla="val 50000"/>
+                <a:gd name="adj2" fmla="val 0"/>
+              </a:avLst>
+            </a:prstGeom>
             <a:solidFill>
-              <a:srgbClr val="445D73"/>
+              <a:srgbClr val="00FF00"/>
             </a:solidFill>
             <a:ln>
               <a:noFill/>
@@ -16880,29 +16813,116 @@
             </a:bodyPr>
             <a:lstStyle/>
             <a:p>
-              <a:pPr marL="0" lvl="0" indent="0" algn="l" rtl="0">
+              <a:pPr marL="0" marR="0" lvl="0" indent="0" algn="l" rtl="0">
                 <a:spcBef>
                   <a:spcPts val="0"/>
                 </a:spcBef>
                 <a:spcAft>
                   <a:spcPts val="0"/>
                 </a:spcAft>
+                <a:buClr>
+                  <a:schemeClr val="dk1"/>
+                </a:buClr>
+                <a:buSzPts val="1800"/>
+                <a:buFont typeface="Calibri" panose="020F0502020204030204"/>
                 <a:buNone/>
               </a:pPr>
-              <a:endParaRPr/>
+              <a:endParaRPr sz="1800">
+                <a:solidFill>
+                  <a:schemeClr val="dk1"/>
+                </a:solidFill>
+                <a:latin typeface="Calibri" panose="020F0502020204030204"/>
+                <a:ea typeface="Calibri" panose="020F0502020204030204"/>
+                <a:cs typeface="Calibri" panose="020F0502020204030204"/>
+                <a:sym typeface="Calibri" panose="020F0502020204030204"/>
+              </a:endParaRPr>
             </a:p>
           </p:txBody>
         </p:sp>
         <p:sp>
           <p:nvSpPr>
-            <p:cNvPr id="24" name="Google Shape;5141;p50"/>
+            <p:cNvPr id="30" name="Google Shape;546;gf7aa813dff_0_0"/>
             <p:cNvSpPr/>
             <p:nvPr/>
           </p:nvSpPr>
           <p:spPr>
             <a:xfrm>
-              <a:off x="3082750" y="2605975"/>
-              <a:ext cx="244675" cy="231900"/>
+              <a:off x="4288183" y="2589313"/>
+              <a:ext cx="5034524" cy="497700"/>
+            </a:xfrm>
+            <a:prstGeom prst="roundRect">
+              <a:avLst>
+                <a:gd name="adj" fmla="val 50000"/>
+              </a:avLst>
+            </a:prstGeom>
+            <a:solidFill>
+              <a:srgbClr val="FFFFFF"/>
+            </a:solidFill>
+            <a:ln w="9525" cap="flat" cmpd="sng">
+              <a:solidFill>
+                <a:schemeClr val="accent2"/>
+              </a:solidFill>
+              <a:prstDash val="solid"/>
+              <a:round/>
+              <a:headEnd type="none" w="sm" len="sm"/>
+              <a:tailEnd type="none" w="sm" len="sm"/>
+            </a:ln>
+          </p:spPr>
+          <p:txBody>
+            <a:bodyPr spcFirstLastPara="1" wrap="square" lIns="182875" tIns="91425" rIns="91425" bIns="91425" anchor="ctr" anchorCtr="0">
+              <a:noAutofit/>
+            </a:bodyPr>
+            <a:lstStyle/>
+            <a:p>
+              <a:r>
+                <a:rPr lang="en-US" altLang="en-GB" sz="3600" b="1" dirty="0">
+                  <a:solidFill>
+                    <a:schemeClr val="accent6">
+                      <a:lumMod val="75000"/>
+                    </a:schemeClr>
+                  </a:solidFill>
+                  <a:latin typeface="Times New Roman" panose="02020603050405020304" pitchFamily="18" charset="0"/>
+                  <a:cs typeface="Times New Roman" panose="02020603050405020304" pitchFamily="18" charset="0"/>
+                </a:rPr>
+                <a:t>Project Summary</a:t>
+              </a:r>
+              <a:endParaRPr lang="en-US" altLang="en-GB" sz="3600" b="1" dirty="0">
+                <a:solidFill>
+                  <a:schemeClr val="accent6">
+                    <a:lumMod val="75000"/>
+                  </a:schemeClr>
+                </a:solidFill>
+                <a:latin typeface="Times New Roman" panose="02020603050405020304" pitchFamily="18" charset="0"/>
+                <a:cs typeface="Times New Roman" panose="02020603050405020304" pitchFamily="18" charset="0"/>
+              </a:endParaRPr>
+            </a:p>
+          </p:txBody>
+        </p:sp>
+      </p:grpSp>
+      <p:grpSp>
+        <p:nvGrpSpPr>
+          <p:cNvPr id="31" name="Google Shape;547;gf7aa813dff_0_0"/>
+          <p:cNvGrpSpPr/>
+          <p:nvPr/>
+        </p:nvGrpSpPr>
+        <p:grpSpPr>
+          <a:xfrm>
+            <a:off x="3353387" y="425161"/>
+            <a:ext cx="219890" cy="213686"/>
+            <a:chOff x="5726350" y="2028150"/>
+            <a:chExt cx="312300" cy="481600"/>
+          </a:xfrm>
+        </p:grpSpPr>
+        <p:sp>
+          <p:nvSpPr>
+            <p:cNvPr id="32" name="Google Shape;548;gf7aa813dff_0_0"/>
+            <p:cNvSpPr/>
+            <p:nvPr/>
+          </p:nvSpPr>
+          <p:spPr>
+            <a:xfrm>
+              <a:off x="5756075" y="2028150"/>
+              <a:ext cx="252825" cy="83275"/>
             </a:xfrm>
             <a:custGeom>
               <a:avLst/>
@@ -16911,36 +16931,39 @@
               <a:cxnLst/>
               <a:rect l="l" t="t" r="r" b="b"/>
               <a:pathLst>
-                <a:path w="9787" h="9276" extrusionOk="0">
+                <a:path w="10113" h="3331" extrusionOk="0">
                   <a:moveTo>
-                    <a:pt x="4781" y="1"/>
+                    <a:pt x="1639" y="1"/>
                   </a:moveTo>
                   <a:cubicBezTo>
-                    <a:pt x="3141" y="1"/>
-                    <a:pt x="1499" y="393"/>
-                    <a:pt x="1" y="1178"/>
-                  </a:cubicBezTo>
-                  <a:cubicBezTo>
-                    <a:pt x="2747" y="2923"/>
-                    <a:pt x="4656" y="5871"/>
-                    <a:pt x="4984" y="9276"/>
-                  </a:cubicBezTo>
-                  <a:cubicBezTo>
-                    <a:pt x="7683" y="7574"/>
-                    <a:pt x="9542" y="4656"/>
-                    <a:pt x="9787" y="1300"/>
-                  </a:cubicBezTo>
-                  <a:cubicBezTo>
-                    <a:pt x="8232" y="434"/>
-                    <a:pt x="6507" y="1"/>
-                    <a:pt x="4781" y="1"/>
+                    <a:pt x="730" y="13"/>
+                    <a:pt x="1" y="753"/>
+                    <a:pt x="1" y="1666"/>
+                  </a:cubicBezTo>
+                  <a:cubicBezTo>
+                    <a:pt x="1" y="2575"/>
+                    <a:pt x="730" y="3316"/>
+                    <a:pt x="1639" y="3331"/>
+                  </a:cubicBezTo>
+                  <a:lnTo>
+                    <a:pt x="8474" y="3331"/>
+                  </a:lnTo>
+                  <a:cubicBezTo>
+                    <a:pt x="9384" y="3316"/>
+                    <a:pt x="10113" y="2575"/>
+                    <a:pt x="10113" y="1666"/>
+                  </a:cubicBezTo>
+                  <a:cubicBezTo>
+                    <a:pt x="10113" y="753"/>
+                    <a:pt x="9384" y="13"/>
+                    <a:pt x="8474" y="1"/>
                   </a:cubicBezTo>
                   <a:close/>
                 </a:path>
               </a:pathLst>
             </a:custGeom>
             <a:solidFill>
-              <a:srgbClr val="667E92"/>
+              <a:srgbClr val="FFFFFF"/>
             </a:solidFill>
             <a:ln>
               <a:noFill/>
@@ -16952,29 +16975,42 @@
             </a:bodyPr>
             <a:lstStyle/>
             <a:p>
-              <a:pPr marL="0" lvl="0" indent="0" algn="l" rtl="0">
+              <a:pPr marL="0" marR="0" lvl="0" indent="0" algn="l" rtl="0">
                 <a:spcBef>
                   <a:spcPts val="0"/>
                 </a:spcBef>
                 <a:spcAft>
                   <a:spcPts val="0"/>
                 </a:spcAft>
+                <a:buClr>
+                  <a:schemeClr val="dk1"/>
+                </a:buClr>
+                <a:buSzPts val="1800"/>
+                <a:buFont typeface="Calibri" panose="020F0502020204030204"/>
                 <a:buNone/>
               </a:pPr>
-              <a:endParaRPr/>
+              <a:endParaRPr sz="1800">
+                <a:solidFill>
+                  <a:srgbClr val="435D74"/>
+                </a:solidFill>
+                <a:latin typeface="Calibri" panose="020F0502020204030204"/>
+                <a:ea typeface="Calibri" panose="020F0502020204030204"/>
+                <a:cs typeface="Calibri" panose="020F0502020204030204"/>
+                <a:sym typeface="Calibri" panose="020F0502020204030204"/>
+              </a:endParaRPr>
             </a:p>
           </p:txBody>
         </p:sp>
         <p:sp>
           <p:nvSpPr>
-            <p:cNvPr id="25" name="Google Shape;5142;p50"/>
+            <p:cNvPr id="33" name="Google Shape;549;gf7aa813dff_0_0"/>
             <p:cNvSpPr/>
             <p:nvPr/>
           </p:nvSpPr>
           <p:spPr>
             <a:xfrm>
-              <a:off x="2679875" y="2645625"/>
-              <a:ext cx="377575" cy="476425"/>
+              <a:off x="5726350" y="2139650"/>
+              <a:ext cx="312300" cy="224425"/>
             </a:xfrm>
             <a:custGeom>
               <a:avLst/>
@@ -16983,51 +17019,376 @@
               <a:cxnLst/>
               <a:rect l="l" t="t" r="r" b="b"/>
               <a:pathLst>
-                <a:path w="15103" h="19057" extrusionOk="0">
+                <a:path w="12492" h="8977" extrusionOk="0">
                   <a:moveTo>
-                    <a:pt x="4831" y="0"/>
+                    <a:pt x="2822" y="0"/>
                   </a:moveTo>
-                  <a:cubicBezTo>
-                    <a:pt x="1931" y="1831"/>
-                    <a:pt x="0" y="5062"/>
-                    <a:pt x="0" y="8736"/>
-                  </a:cubicBezTo>
-                  <a:cubicBezTo>
-                    <a:pt x="0" y="14427"/>
-                    <a:pt x="4631" y="19056"/>
-                    <a:pt x="10321" y="19056"/>
-                  </a:cubicBezTo>
-                  <a:cubicBezTo>
-                    <a:pt x="10324" y="19056"/>
-                    <a:pt x="10327" y="19056"/>
-                    <a:pt x="10331" y="19056"/>
-                  </a:cubicBezTo>
-                  <a:cubicBezTo>
-                    <a:pt x="11993" y="19056"/>
-                    <a:pt x="13630" y="18653"/>
-                    <a:pt x="15102" y="17879"/>
-                  </a:cubicBezTo>
-                  <a:cubicBezTo>
-                    <a:pt x="12077" y="15957"/>
-                    <a:pt x="10068" y="12577"/>
-                    <a:pt x="10068" y="8736"/>
-                  </a:cubicBezTo>
-                  <a:cubicBezTo>
-                    <a:pt x="10068" y="8577"/>
-                    <a:pt x="10071" y="8418"/>
-                    <a:pt x="10079" y="8262"/>
-                  </a:cubicBezTo>
-                  <a:cubicBezTo>
-                    <a:pt x="7192" y="6540"/>
-                    <a:pt x="5169" y="3512"/>
-                    <a:pt x="4831" y="0"/>
-                  </a:cubicBezTo>
+                  <a:lnTo>
+                    <a:pt x="2822" y="4800"/>
+                  </a:lnTo>
+                  <a:cubicBezTo>
+                    <a:pt x="1527" y="5589"/>
+                    <a:pt x="542" y="6797"/>
+                    <a:pt x="36" y="8224"/>
+                  </a:cubicBezTo>
+                  <a:lnTo>
+                    <a:pt x="30" y="8233"/>
+                  </a:lnTo>
+                  <a:cubicBezTo>
+                    <a:pt x="27" y="8242"/>
+                    <a:pt x="24" y="8254"/>
+                    <a:pt x="21" y="8266"/>
+                  </a:cubicBezTo>
+                  <a:cubicBezTo>
+                    <a:pt x="18" y="8278"/>
+                    <a:pt x="15" y="8281"/>
+                    <a:pt x="15" y="8287"/>
+                  </a:cubicBezTo>
+                  <a:cubicBezTo>
+                    <a:pt x="12" y="8296"/>
+                    <a:pt x="9" y="8308"/>
+                    <a:pt x="9" y="8317"/>
+                  </a:cubicBezTo>
+                  <a:cubicBezTo>
+                    <a:pt x="6" y="8326"/>
+                    <a:pt x="6" y="8335"/>
+                    <a:pt x="3" y="8347"/>
+                  </a:cubicBezTo>
+                  <a:cubicBezTo>
+                    <a:pt x="3" y="8356"/>
+                    <a:pt x="3" y="8362"/>
+                    <a:pt x="3" y="8368"/>
+                  </a:cubicBezTo>
+                  <a:cubicBezTo>
+                    <a:pt x="0" y="8378"/>
+                    <a:pt x="3" y="8393"/>
+                    <a:pt x="3" y="8405"/>
+                  </a:cubicBezTo>
+                  <a:cubicBezTo>
+                    <a:pt x="3" y="8408"/>
+                    <a:pt x="3" y="8411"/>
+                    <a:pt x="3" y="8414"/>
+                  </a:cubicBezTo>
+                  <a:lnTo>
+                    <a:pt x="3" y="8426"/>
+                  </a:lnTo>
+                  <a:cubicBezTo>
+                    <a:pt x="3" y="8438"/>
+                    <a:pt x="3" y="8450"/>
+                    <a:pt x="3" y="8462"/>
+                  </a:cubicBezTo>
+                  <a:lnTo>
+                    <a:pt x="6" y="8483"/>
+                  </a:lnTo>
+                  <a:cubicBezTo>
+                    <a:pt x="6" y="8495"/>
+                    <a:pt x="9" y="8504"/>
+                    <a:pt x="12" y="8513"/>
+                  </a:cubicBezTo>
+                  <a:cubicBezTo>
+                    <a:pt x="12" y="8525"/>
+                    <a:pt x="15" y="8531"/>
+                    <a:pt x="15" y="8540"/>
+                  </a:cubicBezTo>
+                  <a:cubicBezTo>
+                    <a:pt x="18" y="8549"/>
+                    <a:pt x="21" y="8558"/>
+                    <a:pt x="21" y="8564"/>
+                  </a:cubicBezTo>
+                  <a:cubicBezTo>
+                    <a:pt x="24" y="8573"/>
+                    <a:pt x="27" y="8585"/>
+                    <a:pt x="33" y="8594"/>
+                  </a:cubicBezTo>
+                  <a:cubicBezTo>
+                    <a:pt x="36" y="8606"/>
+                    <a:pt x="36" y="8609"/>
+                    <a:pt x="40" y="8615"/>
+                  </a:cubicBezTo>
+                  <a:cubicBezTo>
+                    <a:pt x="43" y="8624"/>
+                    <a:pt x="49" y="8636"/>
+                    <a:pt x="52" y="8646"/>
+                  </a:cubicBezTo>
+                  <a:cubicBezTo>
+                    <a:pt x="58" y="8658"/>
+                    <a:pt x="58" y="8661"/>
+                    <a:pt x="61" y="8667"/>
+                  </a:cubicBezTo>
+                  <a:cubicBezTo>
+                    <a:pt x="67" y="8673"/>
+                    <a:pt x="73" y="8685"/>
+                    <a:pt x="76" y="8694"/>
+                  </a:cubicBezTo>
+                  <a:cubicBezTo>
+                    <a:pt x="82" y="8703"/>
+                    <a:pt x="85" y="8709"/>
+                    <a:pt x="88" y="8715"/>
+                  </a:cubicBezTo>
+                  <a:cubicBezTo>
+                    <a:pt x="94" y="8721"/>
+                    <a:pt x="100" y="8730"/>
+                    <a:pt x="106" y="8739"/>
+                  </a:cubicBezTo>
+                  <a:cubicBezTo>
+                    <a:pt x="112" y="8748"/>
+                    <a:pt x="115" y="8754"/>
+                    <a:pt x="121" y="8760"/>
+                  </a:cubicBezTo>
+                  <a:cubicBezTo>
+                    <a:pt x="127" y="8769"/>
+                    <a:pt x="133" y="8775"/>
+                    <a:pt x="139" y="8781"/>
+                  </a:cubicBezTo>
+                  <a:cubicBezTo>
+                    <a:pt x="145" y="8787"/>
+                    <a:pt x="151" y="8796"/>
+                    <a:pt x="157" y="8802"/>
+                  </a:cubicBezTo>
+                  <a:lnTo>
+                    <a:pt x="175" y="8820"/>
+                  </a:lnTo>
+                  <a:cubicBezTo>
+                    <a:pt x="181" y="8826"/>
+                    <a:pt x="190" y="8832"/>
+                    <a:pt x="196" y="8841"/>
+                  </a:cubicBezTo>
+                  <a:lnTo>
+                    <a:pt x="217" y="8856"/>
+                  </a:lnTo>
+                  <a:lnTo>
+                    <a:pt x="238" y="8874"/>
+                  </a:lnTo>
+                  <a:lnTo>
+                    <a:pt x="262" y="8889"/>
+                  </a:lnTo>
+                  <a:lnTo>
+                    <a:pt x="283" y="8901"/>
+                  </a:lnTo>
+                  <a:lnTo>
+                    <a:pt x="314" y="8917"/>
+                  </a:lnTo>
+                  <a:cubicBezTo>
+                    <a:pt x="320" y="8920"/>
+                    <a:pt x="326" y="8923"/>
+                    <a:pt x="332" y="8926"/>
+                  </a:cubicBezTo>
+                  <a:cubicBezTo>
+                    <a:pt x="341" y="8929"/>
+                    <a:pt x="356" y="8938"/>
+                    <a:pt x="368" y="8941"/>
+                  </a:cubicBezTo>
+                  <a:lnTo>
+                    <a:pt x="377" y="8947"/>
+                  </a:lnTo>
+                  <a:lnTo>
+                    <a:pt x="386" y="8947"/>
+                  </a:lnTo>
+                  <a:lnTo>
+                    <a:pt x="413" y="8956"/>
+                  </a:lnTo>
+                  <a:lnTo>
+                    <a:pt x="437" y="8962"/>
+                  </a:lnTo>
+                  <a:lnTo>
+                    <a:pt x="461" y="8968"/>
+                  </a:lnTo>
+                  <a:cubicBezTo>
+                    <a:pt x="473" y="8971"/>
+                    <a:pt x="485" y="8971"/>
+                    <a:pt x="497" y="8974"/>
+                  </a:cubicBezTo>
+                  <a:lnTo>
+                    <a:pt x="512" y="8977"/>
+                  </a:lnTo>
+                  <a:lnTo>
+                    <a:pt x="11928" y="8977"/>
+                  </a:lnTo>
+                  <a:cubicBezTo>
+                    <a:pt x="11946" y="8977"/>
+                    <a:pt x="11967" y="8977"/>
+                    <a:pt x="11985" y="8974"/>
+                  </a:cubicBezTo>
+                  <a:lnTo>
+                    <a:pt x="11991" y="8974"/>
+                  </a:lnTo>
+                  <a:cubicBezTo>
+                    <a:pt x="12006" y="8974"/>
+                    <a:pt x="12021" y="8971"/>
+                    <a:pt x="12033" y="8968"/>
+                  </a:cubicBezTo>
+                  <a:lnTo>
+                    <a:pt x="12051" y="8965"/>
+                  </a:lnTo>
+                  <a:cubicBezTo>
+                    <a:pt x="12063" y="8962"/>
+                    <a:pt x="12072" y="8959"/>
+                    <a:pt x="12085" y="8956"/>
+                  </a:cubicBezTo>
+                  <a:lnTo>
+                    <a:pt x="12106" y="8950"/>
+                  </a:lnTo>
+                  <a:lnTo>
+                    <a:pt x="12118" y="8947"/>
+                  </a:lnTo>
+                  <a:lnTo>
+                    <a:pt x="12130" y="8941"/>
+                  </a:lnTo>
+                  <a:lnTo>
+                    <a:pt x="12160" y="8929"/>
+                  </a:lnTo>
+                  <a:lnTo>
+                    <a:pt x="12184" y="8917"/>
+                  </a:lnTo>
+                  <a:cubicBezTo>
+                    <a:pt x="12193" y="8914"/>
+                    <a:pt x="12199" y="8907"/>
+                    <a:pt x="12208" y="8904"/>
+                  </a:cubicBezTo>
+                  <a:cubicBezTo>
+                    <a:pt x="12214" y="8898"/>
+                    <a:pt x="12226" y="8892"/>
+                    <a:pt x="12235" y="8889"/>
+                  </a:cubicBezTo>
+                  <a:lnTo>
+                    <a:pt x="12253" y="8877"/>
+                  </a:lnTo>
+                  <a:cubicBezTo>
+                    <a:pt x="12262" y="8868"/>
+                    <a:pt x="12271" y="8862"/>
+                    <a:pt x="12280" y="8856"/>
+                  </a:cubicBezTo>
+                  <a:lnTo>
+                    <a:pt x="12295" y="8844"/>
+                  </a:lnTo>
+                  <a:cubicBezTo>
+                    <a:pt x="12304" y="8835"/>
+                    <a:pt x="12313" y="8826"/>
+                    <a:pt x="12319" y="8820"/>
+                  </a:cubicBezTo>
+                  <a:lnTo>
+                    <a:pt x="12334" y="8805"/>
+                  </a:lnTo>
+                  <a:cubicBezTo>
+                    <a:pt x="12343" y="8796"/>
+                    <a:pt x="12349" y="8790"/>
+                    <a:pt x="12359" y="8781"/>
+                  </a:cubicBezTo>
+                  <a:lnTo>
+                    <a:pt x="12371" y="8763"/>
+                  </a:lnTo>
+                  <a:lnTo>
+                    <a:pt x="12389" y="8739"/>
+                  </a:lnTo>
+                  <a:lnTo>
+                    <a:pt x="12404" y="8718"/>
+                  </a:lnTo>
+                  <a:cubicBezTo>
+                    <a:pt x="12410" y="8709"/>
+                    <a:pt x="12413" y="8703"/>
+                    <a:pt x="12419" y="8694"/>
+                  </a:cubicBezTo>
+                  <a:cubicBezTo>
+                    <a:pt x="12422" y="8688"/>
+                    <a:pt x="12428" y="8679"/>
+                    <a:pt x="12431" y="8670"/>
+                  </a:cubicBezTo>
+                  <a:cubicBezTo>
+                    <a:pt x="12437" y="8661"/>
+                    <a:pt x="12440" y="8655"/>
+                    <a:pt x="12443" y="8646"/>
+                  </a:cubicBezTo>
+                  <a:cubicBezTo>
+                    <a:pt x="12446" y="8639"/>
+                    <a:pt x="12449" y="8627"/>
+                    <a:pt x="12455" y="8618"/>
+                  </a:cubicBezTo>
+                  <a:cubicBezTo>
+                    <a:pt x="12458" y="8609"/>
+                    <a:pt x="12461" y="8603"/>
+                    <a:pt x="12461" y="8594"/>
+                  </a:cubicBezTo>
+                  <a:cubicBezTo>
+                    <a:pt x="12464" y="8588"/>
+                    <a:pt x="12467" y="8576"/>
+                    <a:pt x="12470" y="8567"/>
+                  </a:cubicBezTo>
+                  <a:cubicBezTo>
+                    <a:pt x="12473" y="8558"/>
+                    <a:pt x="12476" y="8549"/>
+                    <a:pt x="12479" y="8540"/>
+                  </a:cubicBezTo>
+                  <a:cubicBezTo>
+                    <a:pt x="12479" y="8534"/>
+                    <a:pt x="12482" y="8525"/>
+                    <a:pt x="12482" y="8516"/>
+                  </a:cubicBezTo>
+                  <a:cubicBezTo>
+                    <a:pt x="12485" y="8507"/>
+                    <a:pt x="12485" y="8495"/>
+                    <a:pt x="12488" y="8486"/>
+                  </a:cubicBezTo>
+                  <a:lnTo>
+                    <a:pt x="12491" y="8462"/>
+                  </a:lnTo>
+                  <a:cubicBezTo>
+                    <a:pt x="12491" y="8450"/>
+                    <a:pt x="12491" y="8438"/>
+                    <a:pt x="12491" y="8426"/>
+                  </a:cubicBezTo>
+                  <a:lnTo>
+                    <a:pt x="12491" y="8414"/>
+                  </a:lnTo>
+                  <a:cubicBezTo>
+                    <a:pt x="12491" y="8411"/>
+                    <a:pt x="12491" y="8408"/>
+                    <a:pt x="12491" y="8405"/>
+                  </a:cubicBezTo>
+                  <a:lnTo>
+                    <a:pt x="12491" y="8371"/>
+                  </a:lnTo>
+                  <a:cubicBezTo>
+                    <a:pt x="12491" y="8359"/>
+                    <a:pt x="12491" y="8356"/>
+                    <a:pt x="12491" y="8347"/>
+                  </a:cubicBezTo>
+                  <a:cubicBezTo>
+                    <a:pt x="12488" y="8338"/>
+                    <a:pt x="12488" y="8329"/>
+                    <a:pt x="12485" y="8317"/>
+                  </a:cubicBezTo>
+                  <a:cubicBezTo>
+                    <a:pt x="12482" y="8308"/>
+                    <a:pt x="12482" y="8299"/>
+                    <a:pt x="12479" y="8290"/>
+                  </a:cubicBezTo>
+                  <a:cubicBezTo>
+                    <a:pt x="12476" y="8278"/>
+                    <a:pt x="12476" y="8275"/>
+                    <a:pt x="12473" y="8266"/>
+                  </a:cubicBezTo>
+                  <a:cubicBezTo>
+                    <a:pt x="12473" y="8260"/>
+                    <a:pt x="12467" y="8245"/>
+                    <a:pt x="12464" y="8233"/>
+                  </a:cubicBezTo>
+                  <a:lnTo>
+                    <a:pt x="12461" y="8224"/>
+                  </a:lnTo>
+                  <a:cubicBezTo>
+                    <a:pt x="11955" y="6797"/>
+                    <a:pt x="10970" y="5589"/>
+                    <a:pt x="9676" y="4803"/>
+                  </a:cubicBezTo>
+                  <a:lnTo>
+                    <a:pt x="9676" y="0"/>
+                  </a:lnTo>
                   <a:close/>
                 </a:path>
               </a:pathLst>
             </a:custGeom>
             <a:solidFill>
-              <a:srgbClr val="869FB1"/>
+              <a:srgbClr val="FFFFFF"/>
             </a:solidFill>
             <a:ln>
               <a:noFill/>
@@ -17039,29 +17400,42 @@
             </a:bodyPr>
             <a:lstStyle/>
             <a:p>
-              <a:pPr marL="0" lvl="0" indent="0" algn="l" rtl="0">
+              <a:pPr marL="0" marR="0" lvl="0" indent="0" algn="l" rtl="0">
                 <a:spcBef>
                   <a:spcPts val="0"/>
                 </a:spcBef>
                 <a:spcAft>
                   <a:spcPts val="0"/>
                 </a:spcAft>
+                <a:buClr>
+                  <a:schemeClr val="dk1"/>
+                </a:buClr>
+                <a:buSzPts val="1800"/>
+                <a:buFont typeface="Calibri" panose="020F0502020204030204"/>
                 <a:buNone/>
               </a:pPr>
-              <a:endParaRPr/>
+              <a:endParaRPr sz="1800">
+                <a:solidFill>
+                  <a:srgbClr val="435D74"/>
+                </a:solidFill>
+                <a:latin typeface="Calibri" panose="020F0502020204030204"/>
+                <a:ea typeface="Calibri" panose="020F0502020204030204"/>
+                <a:cs typeface="Calibri" panose="020F0502020204030204"/>
+                <a:sym typeface="Calibri" panose="020F0502020204030204"/>
+              </a:endParaRPr>
             </a:p>
           </p:txBody>
         </p:sp>
         <p:sp>
           <p:nvSpPr>
-            <p:cNvPr id="26" name="Google Shape;5143;p50"/>
+            <p:cNvPr id="34" name="Google Shape;550;gf7aa813dff_0_0"/>
             <p:cNvSpPr/>
             <p:nvPr/>
           </p:nvSpPr>
           <p:spPr>
             <a:xfrm>
-              <a:off x="2812775" y="2605975"/>
-              <a:ext cx="244675" cy="231900"/>
+              <a:off x="5842500" y="2392350"/>
+              <a:ext cx="79975" cy="117400"/>
             </a:xfrm>
             <a:custGeom>
               <a:avLst/>
@@ -17070,36 +17444,42 @@
               <a:cxnLst/>
               <a:rect l="l" t="t" r="r" b="b"/>
               <a:pathLst>
-                <a:path w="9787" h="9276" extrusionOk="0">
+                <a:path w="3199" h="4696" extrusionOk="0">
                   <a:moveTo>
-                    <a:pt x="5005" y="1"/>
+                    <a:pt x="4" y="1"/>
                   </a:moveTo>
-                  <a:cubicBezTo>
-                    <a:pt x="3280" y="1"/>
-                    <a:pt x="1555" y="434"/>
-                    <a:pt x="1" y="1300"/>
-                  </a:cubicBezTo>
-                  <a:cubicBezTo>
-                    <a:pt x="246" y="4658"/>
-                    <a:pt x="2103" y="7574"/>
-                    <a:pt x="4801" y="9276"/>
-                  </a:cubicBezTo>
-                  <a:cubicBezTo>
-                    <a:pt x="5130" y="5871"/>
-                    <a:pt x="7040" y="2923"/>
-                    <a:pt x="9786" y="1178"/>
-                  </a:cubicBezTo>
-                  <a:cubicBezTo>
-                    <a:pt x="8288" y="393"/>
-                    <a:pt x="6646" y="1"/>
-                    <a:pt x="5005" y="1"/>
-                  </a:cubicBezTo>
+                  <a:lnTo>
+                    <a:pt x="4" y="1651"/>
+                  </a:lnTo>
+                  <a:cubicBezTo>
+                    <a:pt x="1" y="2591"/>
+                    <a:pt x="287" y="3509"/>
+                    <a:pt x="820" y="4283"/>
+                  </a:cubicBezTo>
+                  <a:cubicBezTo>
+                    <a:pt x="994" y="4542"/>
+                    <a:pt x="1287" y="4696"/>
+                    <a:pt x="1600" y="4696"/>
+                  </a:cubicBezTo>
+                  <a:cubicBezTo>
+                    <a:pt x="1913" y="4696"/>
+                    <a:pt x="2205" y="4542"/>
+                    <a:pt x="2380" y="4283"/>
+                  </a:cubicBezTo>
+                  <a:cubicBezTo>
+                    <a:pt x="2913" y="3509"/>
+                    <a:pt x="3199" y="2591"/>
+                    <a:pt x="3196" y="1651"/>
+                  </a:cubicBezTo>
+                  <a:lnTo>
+                    <a:pt x="3196" y="1"/>
+                  </a:lnTo>
                   <a:close/>
                 </a:path>
               </a:pathLst>
             </a:custGeom>
             <a:solidFill>
-              <a:srgbClr val="A5B7C5"/>
+              <a:srgbClr val="FFFFFF"/>
             </a:solidFill>
             <a:ln>
               <a:noFill/>
@@ -17111,188 +17491,43 @@
             </a:bodyPr>
             <a:lstStyle/>
             <a:p>
-              <a:pPr marL="0" lvl="0" indent="0" algn="l" rtl="0">
+              <a:pPr marL="0" marR="0" lvl="0" indent="0" algn="l" rtl="0">
                 <a:spcBef>
                   <a:spcPts val="0"/>
                 </a:spcBef>
                 <a:spcAft>
                   <a:spcPts val="0"/>
                 </a:spcAft>
+                <a:buClr>
+                  <a:schemeClr val="dk1"/>
+                </a:buClr>
+                <a:buSzPts val="1800"/>
+                <a:buFont typeface="Calibri" panose="020F0502020204030204"/>
                 <a:buNone/>
               </a:pPr>
-              <a:endParaRPr/>
-            </a:p>
-          </p:txBody>
-        </p:sp>
-        <p:sp>
-          <p:nvSpPr>
-            <p:cNvPr id="27" name="Google Shape;5144;p50"/>
-            <p:cNvSpPr/>
-            <p:nvPr/>
-          </p:nvSpPr>
-          <p:spPr>
-            <a:xfrm>
-              <a:off x="2944250" y="2859150"/>
-              <a:ext cx="251675" cy="226375"/>
-            </a:xfrm>
-            <a:custGeom>
-              <a:avLst/>
-              <a:gdLst/>
-              <a:ahLst/>
-              <a:cxnLst/>
-              <a:rect l="l" t="t" r="r" b="b"/>
-              <a:pathLst>
-                <a:path w="10067" h="9055" extrusionOk="0">
-                  <a:moveTo>
-                    <a:pt x="4" y="1"/>
-                  </a:moveTo>
-                  <a:cubicBezTo>
-                    <a:pt x="2" y="65"/>
-                    <a:pt x="0" y="130"/>
-                    <a:pt x="0" y="195"/>
-                  </a:cubicBezTo>
-                  <a:cubicBezTo>
-                    <a:pt x="0" y="3954"/>
-                    <a:pt x="2023" y="7250"/>
-                    <a:pt x="5033" y="9055"/>
-                  </a:cubicBezTo>
-                  <a:cubicBezTo>
-                    <a:pt x="8045" y="7250"/>
-                    <a:pt x="10066" y="3954"/>
-                    <a:pt x="10066" y="195"/>
-                  </a:cubicBezTo>
-                  <a:cubicBezTo>
-                    <a:pt x="10066" y="130"/>
-                    <a:pt x="10066" y="65"/>
-                    <a:pt x="10065" y="1"/>
-                  </a:cubicBezTo>
-                  <a:cubicBezTo>
-                    <a:pt x="8490" y="829"/>
-                    <a:pt x="6762" y="1243"/>
-                    <a:pt x="5034" y="1243"/>
-                  </a:cubicBezTo>
-                  <a:cubicBezTo>
-                    <a:pt x="3306" y="1243"/>
-                    <a:pt x="1578" y="829"/>
-                    <a:pt x="4" y="1"/>
-                  </a:cubicBezTo>
-                  <a:close/>
-                </a:path>
-              </a:pathLst>
-            </a:custGeom>
-            <a:solidFill>
-              <a:srgbClr val="CFD9E0"/>
-            </a:solidFill>
-            <a:ln>
-              <a:noFill/>
-            </a:ln>
-          </p:spPr>
-          <p:txBody>
-            <a:bodyPr spcFirstLastPara="1" wrap="square" lIns="91425" tIns="91425" rIns="91425" bIns="91425" anchor="ctr" anchorCtr="0">
-              <a:noAutofit/>
-            </a:bodyPr>
-            <a:lstStyle/>
-            <a:p>
-              <a:pPr marL="0" lvl="0" indent="0" algn="l" rtl="0">
-                <a:spcBef>
-                  <a:spcPts val="0"/>
-                </a:spcBef>
-                <a:spcAft>
-                  <a:spcPts val="0"/>
-                </a:spcAft>
-                <a:buNone/>
-              </a:pPr>
-              <a:endParaRPr/>
+              <a:endParaRPr sz="1800">
+                <a:solidFill>
+                  <a:srgbClr val="435D74"/>
+                </a:solidFill>
+                <a:latin typeface="Calibri" panose="020F0502020204030204"/>
+                <a:ea typeface="Calibri" panose="020F0502020204030204"/>
+                <a:cs typeface="Calibri" panose="020F0502020204030204"/>
+                <a:sym typeface="Calibri" panose="020F0502020204030204"/>
+              </a:endParaRPr>
             </a:p>
           </p:txBody>
         </p:sp>
       </p:grpSp>
-      <p:sp>
-        <p:nvSpPr>
-          <p:cNvPr id="2" name="Rectangle 1"/>
-          <p:cNvSpPr/>
-          <p:nvPr/>
-        </p:nvSpPr>
-        <p:spPr>
-          <a:xfrm>
-            <a:off x="3252838" y="1404899"/>
-            <a:ext cx="5181714" cy="2000548"/>
-          </a:xfrm>
-          <a:prstGeom prst="rect">
-            <a:avLst/>
-          </a:prstGeom>
-          <a:ln>
-            <a:solidFill>
-              <a:srgbClr val="7030A0"/>
-            </a:solidFill>
-          </a:ln>
-        </p:spPr>
-        <p:style>
-          <a:lnRef idx="0">
-            <a:scrgbClr r="0" g="0" b="0"/>
-          </a:lnRef>
-          <a:fillRef idx="1003">
-            <a:schemeClr val="lt1"/>
-          </a:fillRef>
-          <a:effectRef idx="0">
-            <a:scrgbClr r="0" g="0" b="0"/>
-          </a:effectRef>
-          <a:fontRef idx="major"/>
-        </p:style>
-        <p:txBody>
-          <a:bodyPr wrap="square">
-            <a:spAutoFit/>
-          </a:bodyPr>
-          <a:lstStyle/>
-          <a:p>
-            <a:pPr algn="just"/>
-            <a:r>
-              <a:rPr lang="en-US" sz="2400" dirty="0">
-                <a:solidFill>
-                  <a:schemeClr val="accent6">
-                    <a:lumMod val="75000"/>
-                  </a:schemeClr>
-                </a:solidFill>
-                <a:latin typeface="Times New Roman" panose="02020603050405020304" pitchFamily="18" charset="0"/>
-                <a:cs typeface="Times New Roman" panose="02020603050405020304" pitchFamily="18" charset="0"/>
-              </a:rPr>
-              <a:t>Effective </a:t>
-            </a:r>
-            <a:r>
-              <a:rPr lang="en-US" sz="2800" b="1" dirty="0">
-                <a:solidFill>
-                  <a:srgbClr val="0070C0"/>
-                </a:solidFill>
-                <a:latin typeface="Times New Roman" panose="02020603050405020304" pitchFamily="18" charset="0"/>
-                <a:cs typeface="Times New Roman" panose="02020603050405020304" pitchFamily="18" charset="0"/>
-              </a:rPr>
-              <a:t>communication</a:t>
-            </a:r>
-            <a:r>
-              <a:rPr lang="en-US" sz="2400" dirty="0">
-                <a:solidFill>
-                  <a:schemeClr val="accent6">
-                    <a:lumMod val="75000"/>
-                  </a:schemeClr>
-                </a:solidFill>
-                <a:latin typeface="Times New Roman" panose="02020603050405020304" pitchFamily="18" charset="0"/>
-                <a:cs typeface="Times New Roman" panose="02020603050405020304" pitchFamily="18" charset="0"/>
-              </a:rPr>
-              <a:t> is essential for being proactive at work as it facilitates information sharing, collaboration, and the expression of ideas and feedback.</a:t>
-            </a:r>
-          </a:p>
-        </p:txBody>
-      </p:sp>
       <p:pic>
         <p:nvPicPr>
-          <p:cNvPr id="7" name="Picture 6"/>
+          <p:cNvPr id="8" name="Picture 7"/>
           <p:cNvPicPr>
             <a:picLocks noChangeAspect="1"/>
           </p:cNvPicPr>
           <p:nvPr/>
         </p:nvPicPr>
         <p:blipFill>
-          <a:blip r:embed="rId4" cstate="hqprint">
+          <a:blip r:embed="rId3">
             <a:extLst>
               <a:ext uri="{28A0092B-C50C-407E-A947-70E740481C1C}">
                 <a14:useLocalDpi xmlns:a14="http://schemas.microsoft.com/office/drawing/2010/main" val="0"/>
@@ -17305,145 +17540,201 @@
         </p:blipFill>
         <p:spPr>
           <a:xfrm>
-            <a:off x="3378" y="1150953"/>
-            <a:ext cx="2915717" cy="4057873"/>
+            <a:off x="160488" y="1575998"/>
+            <a:ext cx="3717283" cy="3983127"/>
+          </a:xfrm>
+          <a:prstGeom prst="snip2DiagRect">
+            <a:avLst/>
+          </a:prstGeom>
+          <a:solidFill>
+            <a:srgbClr val="FFFFFF">
+              <a:shade val="85000"/>
+            </a:srgbClr>
+          </a:solidFill>
+          <a:ln w="88900" cap="sq">
+            <a:solidFill>
+              <a:srgbClr val="FFFFFF"/>
+            </a:solidFill>
+            <a:miter lim="800000"/>
+          </a:ln>
+          <a:effectLst>
+            <a:outerShdw blurRad="88900" algn="tl" rotWithShape="0">
+              <a:srgbClr val="000000">
+                <a:alpha val="45000"/>
+              </a:srgbClr>
+            </a:outerShdw>
+          </a:effectLst>
+          <a:scene3d>
+            <a:camera prst="orthographicFront"/>
+            <a:lightRig rig="twoPt" dir="t">
+              <a:rot lat="0" lon="0" rev="7200000"/>
+            </a:lightRig>
+          </a:scene3d>
+          <a:sp3d>
+            <a:bevelT w="25400" h="19050"/>
+            <a:contourClr>
+              <a:srgbClr val="FFFFFF"/>
+            </a:contourClr>
+          </a:sp3d>
+        </p:spPr>
+      </p:pic>
+      <p:sp>
+        <p:nvSpPr>
+          <p:cNvPr id="10" name="Rectangle 9"/>
+          <p:cNvSpPr/>
+          <p:nvPr/>
+        </p:nvSpPr>
+        <p:spPr>
+          <a:xfrm>
+            <a:off x="4638675" y="1257280"/>
+            <a:ext cx="7397749" cy="4616648"/>
           </a:xfrm>
           <a:prstGeom prst="rect">
             <a:avLst/>
           </a:prstGeom>
         </p:spPr>
-      </p:pic>
-      <p:pic>
-        <p:nvPicPr>
-          <p:cNvPr id="9" name="Picture 8"/>
-          <p:cNvPicPr>
-            <a:picLocks noChangeAspect="1"/>
-          </p:cNvPicPr>
-          <p:nvPr/>
-        </p:nvPicPr>
-        <p:blipFill>
-          <a:blip r:embed="rId5" cstate="hqprint">
-            <a:extLst>
-              <a:ext uri="{28A0092B-C50C-407E-A947-70E740481C1C}">
-                <a14:useLocalDpi xmlns:a14="http://schemas.microsoft.com/office/drawing/2010/main" val="0"/>
-              </a:ext>
-            </a:extLst>
-          </a:blip>
-          <a:stretch>
-            <a:fillRect/>
-          </a:stretch>
-        </p:blipFill>
-        <p:spPr>
-          <a:xfrm>
-            <a:off x="8838191" y="1150954"/>
-            <a:ext cx="3335512" cy="4124054"/>
-          </a:xfrm>
-          <a:prstGeom prst="rect">
-            <a:avLst/>
-          </a:prstGeom>
-        </p:spPr>
-      </p:pic>
-      <p:pic>
-        <p:nvPicPr>
-          <p:cNvPr id="11" name="Picture 10"/>
-          <p:cNvPicPr>
-            <a:picLocks noChangeAspect="1"/>
-          </p:cNvPicPr>
-          <p:nvPr/>
-        </p:nvPicPr>
-        <p:blipFill>
-          <a:blip r:embed="rId6" cstate="print">
-            <a:extLst>
-              <a:ext uri="{28A0092B-C50C-407E-A947-70E740481C1C}">
-                <a14:useLocalDpi xmlns:a14="http://schemas.microsoft.com/office/drawing/2010/main" val="0"/>
-              </a:ext>
-            </a:extLst>
-          </a:blip>
-          <a:stretch>
-            <a:fillRect/>
-          </a:stretch>
-        </p:blipFill>
-        <p:spPr>
-          <a:xfrm>
-            <a:off x="9065172" y="1345278"/>
-            <a:ext cx="1024758" cy="909191"/>
-          </a:xfrm>
-          <a:prstGeom prst="rect">
-            <a:avLst/>
-          </a:prstGeom>
-        </p:spPr>
-      </p:pic>
-      <p:pic>
-        <p:nvPicPr>
-          <p:cNvPr id="35" name="Picture 34"/>
-          <p:cNvPicPr>
-            <a:picLocks noChangeAspect="1"/>
-          </p:cNvPicPr>
-          <p:nvPr/>
-        </p:nvPicPr>
-        <p:blipFill>
-          <a:blip r:embed="rId6" cstate="print">
-            <a:extLst>
-              <a:ext uri="{28A0092B-C50C-407E-A947-70E740481C1C}">
-                <a14:useLocalDpi xmlns:a14="http://schemas.microsoft.com/office/drawing/2010/main" val="0"/>
-              </a:ext>
-            </a:extLst>
-          </a:blip>
-          <a:stretch>
-            <a:fillRect/>
-          </a:stretch>
-        </p:blipFill>
-        <p:spPr>
-          <a:xfrm rot="10800000">
-            <a:off x="2001099" y="1465203"/>
-            <a:ext cx="1024758" cy="909191"/>
-          </a:xfrm>
-          <a:prstGeom prst="rect">
-            <a:avLst/>
-          </a:prstGeom>
-        </p:spPr>
-      </p:pic>
-      <p:pic>
-        <p:nvPicPr>
-          <p:cNvPr id="1026" name="Picture 2" descr="Speech - Free people icons"/>
-          <p:cNvPicPr>
-            <a:picLocks noChangeAspect="1" noChangeArrowheads="1"/>
-          </p:cNvPicPr>
-          <p:nvPr/>
-        </p:nvPicPr>
-        <p:blipFill>
-          <a:blip r:embed="rId7">
-            <a:extLst>
-              <a:ext uri="{28A0092B-C50C-407E-A947-70E740481C1C}">
-                <a14:useLocalDpi xmlns:a14="http://schemas.microsoft.com/office/drawing/2010/main" val="0"/>
-              </a:ext>
-            </a:extLst>
-          </a:blip>
-          <a:srcRect/>
-          <a:stretch>
-            <a:fillRect/>
-          </a:stretch>
-        </p:blipFill>
-        <p:spPr bwMode="auto">
-          <a:xfrm>
-            <a:off x="4276115" y="3539068"/>
-            <a:ext cx="3007554" cy="2590920"/>
-          </a:xfrm>
-          <a:prstGeom prst="rect">
-            <a:avLst/>
-          </a:prstGeom>
-          <a:noFill/>
-          <a:extLst>
-            <a:ext uri="{909E8E84-426E-40DD-AFC4-6F175D3DCCD1}">
-              <a14:hiddenFill xmlns:a14="http://schemas.microsoft.com/office/drawing/2010/main">
-                <a:solidFill>
-                  <a:srgbClr val="FFFFFF"/>
-                </a:solidFill>
-              </a14:hiddenFill>
-            </a:ext>
-          </a:extLst>
-        </p:spPr>
-      </p:pic>
+        <p:txBody>
+          <a:bodyPr wrap="square">
+            <a:spAutoFit/>
+          </a:bodyPr>
+          <a:lstStyle/>
+          <a:p>
+            <a:pPr marL="285750" indent="-285750" algn="just">
+              <a:buFont typeface="Arial" panose="020B0604020202020204" pitchFamily="34" charset="0"/>
+              <a:buChar char="•"/>
+            </a:pPr>
+            <a:r>
+              <a:rPr lang="en-GB" sz="2100" b="1" dirty="0" smtClean="0">
+                <a:latin typeface="Times New Roman" panose="02020603050405020304" pitchFamily="18" charset="0"/>
+                <a:cs typeface="Times New Roman" panose="02020603050405020304" pitchFamily="18" charset="0"/>
+              </a:rPr>
+              <a:t>User-friendly Training Management System (TMS)</a:t>
+            </a:r>
+          </a:p>
+          <a:p>
+            <a:pPr marL="285750" indent="-285750" algn="just">
+              <a:buFont typeface="Arial" panose="020B0604020202020204" pitchFamily="34" charset="0"/>
+              <a:buChar char="•"/>
+            </a:pPr>
+            <a:r>
+              <a:rPr lang="en-GB" sz="2100" b="1" dirty="0" smtClean="0">
+                <a:latin typeface="Times New Roman" panose="02020603050405020304" pitchFamily="18" charset="0"/>
+                <a:cs typeface="Times New Roman" panose="02020603050405020304" pitchFamily="18" charset="0"/>
+              </a:rPr>
+              <a:t>Admin can register Trainers and Trainees</a:t>
+            </a:r>
+          </a:p>
+          <a:p>
+            <a:pPr marL="285750" indent="-285750" algn="just">
+              <a:buFont typeface="Arial" panose="020B0604020202020204" pitchFamily="34" charset="0"/>
+              <a:buChar char="•"/>
+            </a:pPr>
+            <a:r>
+              <a:rPr lang="en-GB" sz="2100" b="1" dirty="0" smtClean="0">
+                <a:latin typeface="Times New Roman" panose="02020603050405020304" pitchFamily="18" charset="0"/>
+                <a:cs typeface="Times New Roman" panose="02020603050405020304" pitchFamily="18" charset="0"/>
+              </a:rPr>
+              <a:t>Create Batches with Courses and Schedule Training sessions</a:t>
+            </a:r>
+          </a:p>
+          <a:p>
+            <a:pPr marL="285750" indent="-285750" algn="just">
+              <a:buFont typeface="Arial" panose="020B0604020202020204" pitchFamily="34" charset="0"/>
+              <a:buChar char="•"/>
+            </a:pPr>
+            <a:r>
+              <a:rPr lang="en-GB" sz="2100" b="1" dirty="0" smtClean="0">
+                <a:latin typeface="Times New Roman" panose="02020603050405020304" pitchFamily="18" charset="0"/>
+                <a:cs typeface="Times New Roman" panose="02020603050405020304" pitchFamily="18" charset="0"/>
+              </a:rPr>
+              <a:t>Trainers assign tasks with deadlines to Trainees</a:t>
+            </a:r>
+          </a:p>
+          <a:p>
+            <a:pPr marL="285750" indent="-285750" algn="just">
+              <a:buFont typeface="Arial" panose="020B0604020202020204" pitchFamily="34" charset="0"/>
+              <a:buChar char="•"/>
+            </a:pPr>
+            <a:r>
+              <a:rPr lang="en-GB" sz="2100" b="1" dirty="0" smtClean="0">
+                <a:latin typeface="Times New Roman" panose="02020603050405020304" pitchFamily="18" charset="0"/>
+                <a:cs typeface="Times New Roman" panose="02020603050405020304" pitchFamily="18" charset="0"/>
+              </a:rPr>
+              <a:t>Classroom feature for communication, file sharing, and notices</a:t>
+            </a:r>
+          </a:p>
+          <a:p>
+            <a:pPr marL="285750" indent="-285750" algn="just">
+              <a:buFont typeface="Arial" panose="020B0604020202020204" pitchFamily="34" charset="0"/>
+              <a:buChar char="•"/>
+            </a:pPr>
+            <a:r>
+              <a:rPr lang="en-GB" sz="2100" b="1" dirty="0" smtClean="0">
+                <a:latin typeface="Times New Roman" panose="02020603050405020304" pitchFamily="18" charset="0"/>
+                <a:cs typeface="Times New Roman" panose="02020603050405020304" pitchFamily="18" charset="0"/>
+              </a:rPr>
+              <a:t>Trainees can submit assignments in various formats</a:t>
+            </a:r>
+          </a:p>
+          <a:p>
+            <a:pPr marL="285750" indent="-285750" algn="just">
+              <a:buFont typeface="Arial" panose="020B0604020202020204" pitchFamily="34" charset="0"/>
+              <a:buChar char="•"/>
+            </a:pPr>
+            <a:r>
+              <a:rPr lang="en-GB" sz="2100" b="1" dirty="0" smtClean="0">
+                <a:latin typeface="Times New Roman" panose="02020603050405020304" pitchFamily="18" charset="0"/>
+                <a:cs typeface="Times New Roman" panose="02020603050405020304" pitchFamily="18" charset="0"/>
+              </a:rPr>
+              <a:t>Group chat enables seamless interaction among participants</a:t>
+            </a:r>
+          </a:p>
+          <a:p>
+            <a:pPr marL="285750" indent="-285750" algn="just">
+              <a:buFont typeface="Arial" panose="020B0604020202020204" pitchFamily="34" charset="0"/>
+              <a:buChar char="•"/>
+            </a:pPr>
+            <a:r>
+              <a:rPr lang="en-GB" sz="2100" b="1" dirty="0" smtClean="0">
+                <a:latin typeface="Times New Roman" panose="02020603050405020304" pitchFamily="18" charset="0"/>
+                <a:cs typeface="Times New Roman" panose="02020603050405020304" pitchFamily="18" charset="0"/>
+              </a:rPr>
+              <a:t>Dynamic interface for enhanced productivity and engagement</a:t>
+            </a:r>
+          </a:p>
+          <a:p>
+            <a:pPr marL="285750" indent="-285750" algn="just">
+              <a:buFont typeface="Arial" panose="020B0604020202020204" pitchFamily="34" charset="0"/>
+              <a:buChar char="•"/>
+            </a:pPr>
+            <a:r>
+              <a:rPr lang="en-GB" sz="2100" b="1" dirty="0" smtClean="0">
+                <a:latin typeface="Times New Roman" panose="02020603050405020304" pitchFamily="18" charset="0"/>
+                <a:cs typeface="Times New Roman" panose="02020603050405020304" pitchFamily="18" charset="0"/>
+              </a:rPr>
+              <a:t>Optimizes training management for organizations and educational institutions</a:t>
+            </a:r>
+          </a:p>
+          <a:p>
+            <a:pPr marL="285750" indent="-285750" algn="just">
+              <a:buFont typeface="Arial" panose="020B0604020202020204" pitchFamily="34" charset="0"/>
+              <a:buChar char="•"/>
+            </a:pPr>
+            <a:r>
+              <a:rPr lang="en-GB" sz="2100" b="1" dirty="0" smtClean="0">
+                <a:latin typeface="Times New Roman" panose="02020603050405020304" pitchFamily="18" charset="0"/>
+                <a:cs typeface="Times New Roman" panose="02020603050405020304" pitchFamily="18" charset="0"/>
+              </a:rPr>
+              <a:t>Provides effective and efficient learning experience for all stakeholders.</a:t>
+            </a:r>
+            <a:endParaRPr lang="en-GB" sz="2100" b="1" i="0" dirty="0">
+              <a:effectLst/>
+              <a:latin typeface="Times New Roman" panose="02020603050405020304" pitchFamily="18" charset="0"/>
+              <a:cs typeface="Times New Roman" panose="02020603050405020304" pitchFamily="18" charset="0"/>
+            </a:endParaRPr>
+          </a:p>
+        </p:txBody>
+      </p:sp>
     </p:spTree>
   </p:cSld>
   <p:clrMapOvr>
@@ -18021,47 +18312,6 @@
           </p:txBody>
         </p:sp>
       </p:grpSp>
-      <p:pic>
-        <p:nvPicPr>
-          <p:cNvPr id="2050" name="Picture 2" descr="a screen shot of an elephant"/>
-          <p:cNvPicPr>
-            <a:picLocks noChangeAspect="1" noChangeArrowheads="1"/>
-          </p:cNvPicPr>
-          <p:nvPr/>
-        </p:nvPicPr>
-        <p:blipFill>
-          <a:blip r:embed="rId3">
-            <a:extLst>
-              <a:ext uri="{28A0092B-C50C-407E-A947-70E740481C1C}">
-                <a14:useLocalDpi xmlns:a14="http://schemas.microsoft.com/office/drawing/2010/main" val="0"/>
-              </a:ext>
-            </a:extLst>
-          </a:blip>
-          <a:srcRect/>
-          <a:stretch>
-            <a:fillRect/>
-          </a:stretch>
-        </p:blipFill>
-        <p:spPr bwMode="auto">
-          <a:xfrm>
-            <a:off x="2938145" y="1037590"/>
-            <a:ext cx="5551170" cy="5012690"/>
-          </a:xfrm>
-          <a:prstGeom prst="rect">
-            <a:avLst/>
-          </a:prstGeom>
-          <a:noFill/>
-          <a:extLst>
-            <a:ext uri="{909E8E84-426E-40DD-AFC4-6F175D3DCCD1}">
-              <a14:hiddenFill xmlns:a14="http://schemas.microsoft.com/office/drawing/2010/main">
-                <a:solidFill>
-                  <a:srgbClr val="FFFFFF"/>
-                </a:solidFill>
-              </a14:hiddenFill>
-            </a:ext>
-          </a:extLst>
-        </p:spPr>
-      </p:pic>
       <p:grpSp>
         <p:nvGrpSpPr>
           <p:cNvPr id="13" name="Google Shape;5138;p50"/>
@@ -18143,7 +18393,7 @@
               </a:pathLst>
             </a:custGeom>
             <a:blipFill>
-              <a:blip r:embed="rId4"/>
+              <a:blip r:embed="rId3"/>
               <a:tile tx="0" ty="0" sx="100000" sy="100000" flip="none" algn="tl"/>
             </a:blipFill>
             <a:ln>
@@ -18578,8 +18828,8 @@
         </p:nvSpPr>
         <p:spPr>
           <a:xfrm>
-            <a:off x="1031875" y="90170"/>
-            <a:ext cx="9363075" cy="947420"/>
+            <a:off x="2946969" y="15029"/>
+            <a:ext cx="5542346" cy="947420"/>
           </a:xfrm>
           <a:prstGeom prst="roundRect">
             <a:avLst>
@@ -18634,8 +18884,8 @@
         </p:nvSpPr>
         <p:spPr>
           <a:xfrm>
-            <a:off x="1969135" y="254000"/>
-            <a:ext cx="7867015" cy="624840"/>
+            <a:off x="3884229" y="178859"/>
+            <a:ext cx="3627624" cy="624840"/>
           </a:xfrm>
           <a:prstGeom prst="roundRect">
             <a:avLst>
@@ -18661,20 +18911,20 @@
           </a:bodyPr>
           <a:lstStyle/>
           <a:p>
+            <a:pPr>
+              <a:lnSpc>
+                <a:spcPct val="140000"/>
+              </a:lnSpc>
+            </a:pPr>
             <a:r>
-              <a:rPr lang="en-US" sz="3600" b="1" dirty="0">
-                <a:sym typeface="+mn-ea"/>
+              <a:rPr lang="en-US" altLang="en-GB" sz="3600" b="1" dirty="0">
+                <a:latin typeface="Arial Black" panose="020B0A04020102020204" pitchFamily="34" charset="0"/>
+                <a:cs typeface="Lusitana" charset="0"/>
               </a:rPr>
-              <a:t>Example of Poor Communication</a:t>
+              <a:t>Feature List</a:t>
             </a:r>
-            <a:endParaRPr lang="en-US" sz="3600" b="1" i="0" u="none" strike="noStrike" cap="none" dirty="0">
-              <a:solidFill>
-                <a:schemeClr val="dk1"/>
-              </a:solidFill>
-              <a:latin typeface="Times New Roman" panose="02020603050405020304" pitchFamily="18" charset="0"/>
-              <a:ea typeface="Open Sans Light" panose="020B0306030504020204" pitchFamily="34" charset="0"/>
-              <a:cs typeface="Times New Roman" panose="02020603050405020304" pitchFamily="18" charset="0"/>
-              <a:sym typeface="+mn-ea"/>
+            <a:endParaRPr lang="en-US" sz="3600" b="1" dirty="0">
+              <a:latin typeface="Arial Black" panose="020B0A04020102020204" pitchFamily="34" charset="0"/>
             </a:endParaRPr>
           </a:p>
         </p:txBody>
@@ -18687,8 +18937,8 @@
         </p:nvGrpSpPr>
         <p:grpSpPr>
           <a:xfrm>
-            <a:off x="1312545" y="374015"/>
-            <a:ext cx="308610" cy="467995"/>
+            <a:off x="3227638" y="298874"/>
+            <a:ext cx="182678" cy="467995"/>
             <a:chOff x="898875" y="4399275"/>
             <a:chExt cx="483700" cy="481850"/>
           </a:xfrm>
